--- a/数据结构与算法笔记/思路图.pptx
+++ b/数据结构与算法笔记/思路图.pptx
@@ -6,6 +6,7 @@
   </p:sldMasterIdLst>
   <p:sldIdLst>
     <p:sldId id="256" r:id="rId2"/>
+    <p:sldId id="257" r:id="rId3"/>
   </p:sldIdLst>
   <p:sldSz cx="9144000" cy="6858000" type="screen4x3"/>
   <p:notesSz cx="6858000" cy="9144000"/>
@@ -288,7 +289,7 @@
           <a:p>
             <a:fld id="{530820CF-B880-4189-942D-D702A7CBA730}" type="datetimeFigureOut">
               <a:rPr lang="zh-CN" altLang="en-US" smtClean="0"/>
-              <a:t>2022/12/22</a:t>
+              <a:t>2023/1/13</a:t>
             </a:fld>
             <a:endParaRPr lang="zh-CN" altLang="en-US"/>
           </a:p>
@@ -453,7 +454,7 @@
           <a:p>
             <a:fld id="{530820CF-B880-4189-942D-D702A7CBA730}" type="datetimeFigureOut">
               <a:rPr lang="zh-CN" altLang="en-US" smtClean="0"/>
-              <a:t>2022/12/22</a:t>
+              <a:t>2023/1/13</a:t>
             </a:fld>
             <a:endParaRPr lang="zh-CN" altLang="en-US"/>
           </a:p>
@@ -628,7 +629,7 @@
           <a:p>
             <a:fld id="{530820CF-B880-4189-942D-D702A7CBA730}" type="datetimeFigureOut">
               <a:rPr lang="zh-CN" altLang="en-US" smtClean="0"/>
-              <a:t>2022/12/22</a:t>
+              <a:t>2023/1/13</a:t>
             </a:fld>
             <a:endParaRPr lang="zh-CN" altLang="en-US"/>
           </a:p>
@@ -793,7 +794,7 @@
           <a:p>
             <a:fld id="{530820CF-B880-4189-942D-D702A7CBA730}" type="datetimeFigureOut">
               <a:rPr lang="zh-CN" altLang="en-US" smtClean="0"/>
-              <a:t>2022/12/22</a:t>
+              <a:t>2023/1/13</a:t>
             </a:fld>
             <a:endParaRPr lang="zh-CN" altLang="en-US"/>
           </a:p>
@@ -1034,7 +1035,7 @@
           <a:p>
             <a:fld id="{530820CF-B880-4189-942D-D702A7CBA730}" type="datetimeFigureOut">
               <a:rPr lang="zh-CN" altLang="en-US" smtClean="0"/>
-              <a:t>2022/12/22</a:t>
+              <a:t>2023/1/13</a:t>
             </a:fld>
             <a:endParaRPr lang="zh-CN" altLang="en-US"/>
           </a:p>
@@ -1317,7 +1318,7 @@
           <a:p>
             <a:fld id="{530820CF-B880-4189-942D-D702A7CBA730}" type="datetimeFigureOut">
               <a:rPr lang="zh-CN" altLang="en-US" smtClean="0"/>
-              <a:t>2022/12/22</a:t>
+              <a:t>2023/1/13</a:t>
             </a:fld>
             <a:endParaRPr lang="zh-CN" altLang="en-US"/>
           </a:p>
@@ -1734,7 +1735,7 @@
           <a:p>
             <a:fld id="{530820CF-B880-4189-942D-D702A7CBA730}" type="datetimeFigureOut">
               <a:rPr lang="zh-CN" altLang="en-US" smtClean="0"/>
-              <a:t>2022/12/22</a:t>
+              <a:t>2023/1/13</a:t>
             </a:fld>
             <a:endParaRPr lang="zh-CN" altLang="en-US"/>
           </a:p>
@@ -1847,7 +1848,7 @@
           <a:p>
             <a:fld id="{530820CF-B880-4189-942D-D702A7CBA730}" type="datetimeFigureOut">
               <a:rPr lang="zh-CN" altLang="en-US" smtClean="0"/>
-              <a:t>2022/12/22</a:t>
+              <a:t>2023/1/13</a:t>
             </a:fld>
             <a:endParaRPr lang="zh-CN" altLang="en-US"/>
           </a:p>
@@ -1937,7 +1938,7 @@
           <a:p>
             <a:fld id="{530820CF-B880-4189-942D-D702A7CBA730}" type="datetimeFigureOut">
               <a:rPr lang="zh-CN" altLang="en-US" smtClean="0"/>
-              <a:t>2022/12/22</a:t>
+              <a:t>2023/1/13</a:t>
             </a:fld>
             <a:endParaRPr lang="zh-CN" altLang="en-US"/>
           </a:p>
@@ -2209,7 +2210,7 @@
           <a:p>
             <a:fld id="{530820CF-B880-4189-942D-D702A7CBA730}" type="datetimeFigureOut">
               <a:rPr lang="zh-CN" altLang="en-US" smtClean="0"/>
-              <a:t>2022/12/22</a:t>
+              <a:t>2023/1/13</a:t>
             </a:fld>
             <a:endParaRPr lang="zh-CN" altLang="en-US"/>
           </a:p>
@@ -2457,7 +2458,7 @@
           <a:p>
             <a:fld id="{530820CF-B880-4189-942D-D702A7CBA730}" type="datetimeFigureOut">
               <a:rPr lang="zh-CN" altLang="en-US" smtClean="0"/>
-              <a:t>2022/12/22</a:t>
+              <a:t>2023/1/13</a:t>
             </a:fld>
             <a:endParaRPr lang="zh-CN" altLang="en-US"/>
           </a:p>
@@ -2665,7 +2666,7 @@
           <a:p>
             <a:fld id="{530820CF-B880-4189-942D-D702A7CBA730}" type="datetimeFigureOut">
               <a:rPr lang="zh-CN" altLang="en-US" smtClean="0"/>
-              <a:t>2022/12/22</a:t>
+              <a:t>2023/1/13</a:t>
             </a:fld>
             <a:endParaRPr lang="zh-CN" altLang="en-US"/>
           </a:p>
@@ -4959,6 +4960,948 @@
     <p:extLst>
       <p:ext uri="{BB962C8B-B14F-4D97-AF65-F5344CB8AC3E}">
         <p14:creationId xmlns:p14="http://schemas.microsoft.com/office/powerpoint/2010/main" val="2307792441"/>
+      </p:ext>
+    </p:extLst>
+  </p:cSld>
+  <p:clrMapOvr>
+    <a:masterClrMapping/>
+  </p:clrMapOvr>
+</p:sld>
+</file>
+
+<file path=ppt/slides/slide2.xml><?xml version="1.0" encoding="utf-8"?>
+<p:sld xmlns:a="http://schemas.openxmlformats.org/drawingml/2006/main" xmlns:r="http://schemas.openxmlformats.org/officeDocument/2006/relationships" xmlns:p="http://schemas.openxmlformats.org/presentationml/2006/main">
+  <p:cSld>
+    <p:spTree>
+      <p:nvGrpSpPr>
+        <p:cNvPr id="1" name=""/>
+        <p:cNvGrpSpPr/>
+        <p:nvPr/>
+      </p:nvGrpSpPr>
+      <p:grpSpPr>
+        <a:xfrm>
+          <a:off x="0" y="0"/>
+          <a:ext cx="0" cy="0"/>
+          <a:chOff x="0" y="0"/>
+          <a:chExt cx="0" cy="0"/>
+        </a:xfrm>
+      </p:grpSpPr>
+      <p:sp>
+        <p:nvSpPr>
+          <p:cNvPr id="2" name="TextBox 1"/>
+          <p:cNvSpPr txBox="1"/>
+          <p:nvPr/>
+        </p:nvSpPr>
+        <p:spPr>
+          <a:xfrm>
+            <a:off x="1362767" y="119402"/>
+            <a:ext cx="1944216" cy="369332"/>
+          </a:xfrm>
+          <a:prstGeom prst="rect">
+            <a:avLst/>
+          </a:prstGeom>
+          <a:noFill/>
+        </p:spPr>
+        <p:txBody>
+          <a:bodyPr wrap="square" rtlCol="0">
+            <a:spAutoFit/>
+          </a:bodyPr>
+          <a:lstStyle/>
+          <a:p>
+            <a:r>
+              <a:rPr lang="zh-CN" altLang="en-US" dirty="0" smtClean="0"/>
+              <a:t>顺序存储二叉树</a:t>
+            </a:r>
+            <a:endParaRPr lang="zh-CN" altLang="en-US" dirty="0"/>
+          </a:p>
+        </p:txBody>
+      </p:sp>
+      <p:sp>
+        <p:nvSpPr>
+          <p:cNvPr id="3" name="椭圆 2"/>
+          <p:cNvSpPr/>
+          <p:nvPr/>
+        </p:nvSpPr>
+        <p:spPr>
+          <a:xfrm>
+            <a:off x="3462937" y="976583"/>
+            <a:ext cx="483131" cy="504056"/>
+          </a:xfrm>
+          <a:prstGeom prst="ellipse">
+            <a:avLst/>
+          </a:prstGeom>
+          <a:solidFill>
+            <a:schemeClr val="bg1"/>
+          </a:solidFill>
+          <a:ln>
+            <a:solidFill>
+              <a:schemeClr val="tx2"/>
+            </a:solidFill>
+          </a:ln>
+        </p:spPr>
+        <p:style>
+          <a:lnRef idx="2">
+            <a:schemeClr val="accent1">
+              <a:shade val="50000"/>
+            </a:schemeClr>
+          </a:lnRef>
+          <a:fillRef idx="1">
+            <a:schemeClr val="accent1"/>
+          </a:fillRef>
+          <a:effectRef idx="0">
+            <a:schemeClr val="accent1"/>
+          </a:effectRef>
+          <a:fontRef idx="minor">
+            <a:schemeClr val="lt1"/>
+          </a:fontRef>
+        </p:style>
+        <p:txBody>
+          <a:bodyPr rtlCol="0" anchor="ctr"/>
+          <a:lstStyle/>
+          <a:p>
+            <a:pPr algn="ctr"/>
+            <a:r>
+              <a:rPr lang="en-US" altLang="zh-CN" sz="1600" dirty="0" smtClean="0">
+                <a:solidFill>
+                  <a:schemeClr val="tx1"/>
+                </a:solidFill>
+              </a:rPr>
+              <a:t>1</a:t>
+            </a:r>
+            <a:endParaRPr lang="zh-CN" altLang="en-US" sz="1600" dirty="0">
+              <a:solidFill>
+                <a:schemeClr val="tx1"/>
+              </a:solidFill>
+            </a:endParaRPr>
+          </a:p>
+        </p:txBody>
+      </p:sp>
+      <p:sp>
+        <p:nvSpPr>
+          <p:cNvPr id="5" name="椭圆 4"/>
+          <p:cNvSpPr/>
+          <p:nvPr/>
+        </p:nvSpPr>
+        <p:spPr>
+          <a:xfrm>
+            <a:off x="2843808" y="1772816"/>
+            <a:ext cx="483131" cy="504056"/>
+          </a:xfrm>
+          <a:prstGeom prst="ellipse">
+            <a:avLst/>
+          </a:prstGeom>
+          <a:solidFill>
+            <a:schemeClr val="bg1"/>
+          </a:solidFill>
+          <a:ln>
+            <a:solidFill>
+              <a:schemeClr val="tx2"/>
+            </a:solidFill>
+          </a:ln>
+        </p:spPr>
+        <p:style>
+          <a:lnRef idx="2">
+            <a:schemeClr val="accent1">
+              <a:shade val="50000"/>
+            </a:schemeClr>
+          </a:lnRef>
+          <a:fillRef idx="1">
+            <a:schemeClr val="accent1"/>
+          </a:fillRef>
+          <a:effectRef idx="0">
+            <a:schemeClr val="accent1"/>
+          </a:effectRef>
+          <a:fontRef idx="minor">
+            <a:schemeClr val="lt1"/>
+          </a:fontRef>
+        </p:style>
+        <p:txBody>
+          <a:bodyPr rtlCol="0" anchor="ctr"/>
+          <a:lstStyle/>
+          <a:p>
+            <a:pPr algn="ctr"/>
+            <a:r>
+              <a:rPr lang="en-US" altLang="zh-CN" sz="1600" dirty="0" smtClean="0">
+                <a:solidFill>
+                  <a:schemeClr val="tx1"/>
+                </a:solidFill>
+              </a:rPr>
+              <a:t>2</a:t>
+            </a:r>
+            <a:endParaRPr lang="zh-CN" altLang="en-US" sz="1600" dirty="0">
+              <a:solidFill>
+                <a:schemeClr val="tx1"/>
+              </a:solidFill>
+            </a:endParaRPr>
+          </a:p>
+        </p:txBody>
+      </p:sp>
+      <p:sp>
+        <p:nvSpPr>
+          <p:cNvPr id="6" name="椭圆 5"/>
+          <p:cNvSpPr/>
+          <p:nvPr/>
+        </p:nvSpPr>
+        <p:spPr>
+          <a:xfrm>
+            <a:off x="4211960" y="1772816"/>
+            <a:ext cx="483131" cy="504056"/>
+          </a:xfrm>
+          <a:prstGeom prst="ellipse">
+            <a:avLst/>
+          </a:prstGeom>
+          <a:solidFill>
+            <a:schemeClr val="bg1"/>
+          </a:solidFill>
+          <a:ln>
+            <a:solidFill>
+              <a:schemeClr val="tx2"/>
+            </a:solidFill>
+          </a:ln>
+        </p:spPr>
+        <p:style>
+          <a:lnRef idx="2">
+            <a:schemeClr val="accent1">
+              <a:shade val="50000"/>
+            </a:schemeClr>
+          </a:lnRef>
+          <a:fillRef idx="1">
+            <a:schemeClr val="accent1"/>
+          </a:fillRef>
+          <a:effectRef idx="0">
+            <a:schemeClr val="accent1"/>
+          </a:effectRef>
+          <a:fontRef idx="minor">
+            <a:schemeClr val="lt1"/>
+          </a:fontRef>
+        </p:style>
+        <p:txBody>
+          <a:bodyPr rtlCol="0" anchor="ctr"/>
+          <a:lstStyle/>
+          <a:p>
+            <a:pPr algn="ctr"/>
+            <a:r>
+              <a:rPr lang="en-US" altLang="zh-CN" sz="1600" dirty="0" smtClean="0">
+                <a:solidFill>
+                  <a:schemeClr val="tx1"/>
+                </a:solidFill>
+              </a:rPr>
+              <a:t>3</a:t>
+            </a:r>
+            <a:endParaRPr lang="zh-CN" altLang="en-US" sz="1600" dirty="0">
+              <a:solidFill>
+                <a:schemeClr val="tx1"/>
+              </a:solidFill>
+            </a:endParaRPr>
+          </a:p>
+        </p:txBody>
+      </p:sp>
+      <p:sp>
+        <p:nvSpPr>
+          <p:cNvPr id="7" name="椭圆 6"/>
+          <p:cNvSpPr/>
+          <p:nvPr/>
+        </p:nvSpPr>
+        <p:spPr>
+          <a:xfrm>
+            <a:off x="2288669" y="2636912"/>
+            <a:ext cx="483131" cy="504056"/>
+          </a:xfrm>
+          <a:prstGeom prst="ellipse">
+            <a:avLst/>
+          </a:prstGeom>
+          <a:solidFill>
+            <a:schemeClr val="bg1"/>
+          </a:solidFill>
+          <a:ln>
+            <a:solidFill>
+              <a:schemeClr val="tx2"/>
+            </a:solidFill>
+          </a:ln>
+        </p:spPr>
+        <p:style>
+          <a:lnRef idx="2">
+            <a:schemeClr val="accent1">
+              <a:shade val="50000"/>
+            </a:schemeClr>
+          </a:lnRef>
+          <a:fillRef idx="1">
+            <a:schemeClr val="accent1"/>
+          </a:fillRef>
+          <a:effectRef idx="0">
+            <a:schemeClr val="accent1"/>
+          </a:effectRef>
+          <a:fontRef idx="minor">
+            <a:schemeClr val="lt1"/>
+          </a:fontRef>
+        </p:style>
+        <p:txBody>
+          <a:bodyPr rtlCol="0" anchor="ctr"/>
+          <a:lstStyle/>
+          <a:p>
+            <a:pPr algn="ctr"/>
+            <a:r>
+              <a:rPr lang="en-US" altLang="zh-CN" sz="1600" dirty="0">
+                <a:solidFill>
+                  <a:schemeClr val="tx1"/>
+                </a:solidFill>
+              </a:rPr>
+              <a:t>4</a:t>
+            </a:r>
+            <a:endParaRPr lang="zh-CN" altLang="en-US" sz="1600" dirty="0">
+              <a:solidFill>
+                <a:schemeClr val="tx1"/>
+              </a:solidFill>
+            </a:endParaRPr>
+          </a:p>
+        </p:txBody>
+      </p:sp>
+      <p:sp>
+        <p:nvSpPr>
+          <p:cNvPr id="8" name="椭圆 7"/>
+          <p:cNvSpPr/>
+          <p:nvPr/>
+        </p:nvSpPr>
+        <p:spPr>
+          <a:xfrm>
+            <a:off x="3203848" y="2636912"/>
+            <a:ext cx="483131" cy="504056"/>
+          </a:xfrm>
+          <a:prstGeom prst="ellipse">
+            <a:avLst/>
+          </a:prstGeom>
+          <a:solidFill>
+            <a:schemeClr val="bg1"/>
+          </a:solidFill>
+          <a:ln>
+            <a:solidFill>
+              <a:schemeClr val="tx2"/>
+            </a:solidFill>
+          </a:ln>
+        </p:spPr>
+        <p:style>
+          <a:lnRef idx="2">
+            <a:schemeClr val="accent1">
+              <a:shade val="50000"/>
+            </a:schemeClr>
+          </a:lnRef>
+          <a:fillRef idx="1">
+            <a:schemeClr val="accent1"/>
+          </a:fillRef>
+          <a:effectRef idx="0">
+            <a:schemeClr val="accent1"/>
+          </a:effectRef>
+          <a:fontRef idx="minor">
+            <a:schemeClr val="lt1"/>
+          </a:fontRef>
+        </p:style>
+        <p:txBody>
+          <a:bodyPr rtlCol="0" anchor="ctr"/>
+          <a:lstStyle/>
+          <a:p>
+            <a:pPr algn="ctr"/>
+            <a:r>
+              <a:rPr lang="en-US" altLang="zh-CN" sz="1600" dirty="0" smtClean="0">
+                <a:solidFill>
+                  <a:schemeClr val="tx1"/>
+                </a:solidFill>
+              </a:rPr>
+              <a:t>5</a:t>
+            </a:r>
+            <a:endParaRPr lang="zh-CN" altLang="en-US" sz="1600" dirty="0">
+              <a:solidFill>
+                <a:schemeClr val="tx1"/>
+              </a:solidFill>
+            </a:endParaRPr>
+          </a:p>
+        </p:txBody>
+      </p:sp>
+      <p:sp>
+        <p:nvSpPr>
+          <p:cNvPr id="9" name="椭圆 8"/>
+          <p:cNvSpPr/>
+          <p:nvPr/>
+        </p:nvSpPr>
+        <p:spPr>
+          <a:xfrm>
+            <a:off x="4016861" y="2604002"/>
+            <a:ext cx="483131" cy="504056"/>
+          </a:xfrm>
+          <a:prstGeom prst="ellipse">
+            <a:avLst/>
+          </a:prstGeom>
+          <a:solidFill>
+            <a:schemeClr val="bg1"/>
+          </a:solidFill>
+          <a:ln>
+            <a:solidFill>
+              <a:schemeClr val="tx2"/>
+            </a:solidFill>
+          </a:ln>
+        </p:spPr>
+        <p:style>
+          <a:lnRef idx="2">
+            <a:schemeClr val="accent1">
+              <a:shade val="50000"/>
+            </a:schemeClr>
+          </a:lnRef>
+          <a:fillRef idx="1">
+            <a:schemeClr val="accent1"/>
+          </a:fillRef>
+          <a:effectRef idx="0">
+            <a:schemeClr val="accent1"/>
+          </a:effectRef>
+          <a:fontRef idx="minor">
+            <a:schemeClr val="lt1"/>
+          </a:fontRef>
+        </p:style>
+        <p:txBody>
+          <a:bodyPr rtlCol="0" anchor="ctr"/>
+          <a:lstStyle/>
+          <a:p>
+            <a:pPr algn="ctr"/>
+            <a:r>
+              <a:rPr lang="en-US" altLang="zh-CN" sz="1600" dirty="0" smtClean="0">
+                <a:solidFill>
+                  <a:schemeClr val="tx1"/>
+                </a:solidFill>
+              </a:rPr>
+              <a:t>6</a:t>
+            </a:r>
+            <a:endParaRPr lang="zh-CN" altLang="en-US" sz="1600" dirty="0">
+              <a:solidFill>
+                <a:schemeClr val="tx1"/>
+              </a:solidFill>
+            </a:endParaRPr>
+          </a:p>
+        </p:txBody>
+      </p:sp>
+      <p:sp>
+        <p:nvSpPr>
+          <p:cNvPr id="10" name="椭圆 9"/>
+          <p:cNvSpPr/>
+          <p:nvPr/>
+        </p:nvSpPr>
+        <p:spPr>
+          <a:xfrm>
+            <a:off x="4932040" y="2604002"/>
+            <a:ext cx="483131" cy="504056"/>
+          </a:xfrm>
+          <a:prstGeom prst="ellipse">
+            <a:avLst/>
+          </a:prstGeom>
+          <a:solidFill>
+            <a:schemeClr val="bg1"/>
+          </a:solidFill>
+          <a:ln>
+            <a:solidFill>
+              <a:schemeClr val="tx2"/>
+            </a:solidFill>
+          </a:ln>
+        </p:spPr>
+        <p:style>
+          <a:lnRef idx="2">
+            <a:schemeClr val="accent1">
+              <a:shade val="50000"/>
+            </a:schemeClr>
+          </a:lnRef>
+          <a:fillRef idx="1">
+            <a:schemeClr val="accent1"/>
+          </a:fillRef>
+          <a:effectRef idx="0">
+            <a:schemeClr val="accent1"/>
+          </a:effectRef>
+          <a:fontRef idx="minor">
+            <a:schemeClr val="lt1"/>
+          </a:fontRef>
+        </p:style>
+        <p:txBody>
+          <a:bodyPr rtlCol="0" anchor="ctr"/>
+          <a:lstStyle/>
+          <a:p>
+            <a:pPr algn="ctr"/>
+            <a:r>
+              <a:rPr lang="en-US" altLang="zh-CN" sz="1600" dirty="0" smtClean="0">
+                <a:solidFill>
+                  <a:schemeClr val="tx1"/>
+                </a:solidFill>
+              </a:rPr>
+              <a:t>7</a:t>
+            </a:r>
+            <a:endParaRPr lang="zh-CN" altLang="en-US" sz="1600" dirty="0">
+              <a:solidFill>
+                <a:schemeClr val="tx1"/>
+              </a:solidFill>
+            </a:endParaRPr>
+          </a:p>
+        </p:txBody>
+      </p:sp>
+      <p:cxnSp>
+        <p:nvCxnSpPr>
+          <p:cNvPr id="12" name="直接连接符 11"/>
+          <p:cNvCxnSpPr>
+            <a:stCxn id="5" idx="7"/>
+            <a:endCxn id="3" idx="3"/>
+          </p:cNvCxnSpPr>
+          <p:nvPr/>
+        </p:nvCxnSpPr>
+        <p:spPr>
+          <a:xfrm flipV="1">
+            <a:off x="3256186" y="1406822"/>
+            <a:ext cx="277504" cy="439811"/>
+          </a:xfrm>
+          <a:prstGeom prst="line">
+            <a:avLst/>
+          </a:prstGeom>
+          <a:ln w="19050"/>
+        </p:spPr>
+        <p:style>
+          <a:lnRef idx="1">
+            <a:schemeClr val="accent1"/>
+          </a:lnRef>
+          <a:fillRef idx="0">
+            <a:schemeClr val="accent1"/>
+          </a:fillRef>
+          <a:effectRef idx="0">
+            <a:schemeClr val="accent1"/>
+          </a:effectRef>
+          <a:fontRef idx="minor">
+            <a:schemeClr val="tx1"/>
+          </a:fontRef>
+        </p:style>
+      </p:cxnSp>
+      <p:cxnSp>
+        <p:nvCxnSpPr>
+          <p:cNvPr id="15" name="直接连接符 14"/>
+          <p:cNvCxnSpPr>
+            <a:stCxn id="6" idx="1"/>
+          </p:cNvCxnSpPr>
+          <p:nvPr/>
+        </p:nvCxnSpPr>
+        <p:spPr>
+          <a:xfrm flipH="1" flipV="1">
+            <a:off x="3914828" y="1344755"/>
+            <a:ext cx="367885" cy="501878"/>
+          </a:xfrm>
+          <a:prstGeom prst="line">
+            <a:avLst/>
+          </a:prstGeom>
+          <a:ln w="19050"/>
+        </p:spPr>
+        <p:style>
+          <a:lnRef idx="1">
+            <a:schemeClr val="accent1"/>
+          </a:lnRef>
+          <a:fillRef idx="0">
+            <a:schemeClr val="accent1"/>
+          </a:fillRef>
+          <a:effectRef idx="0">
+            <a:schemeClr val="accent1"/>
+          </a:effectRef>
+          <a:fontRef idx="minor">
+            <a:schemeClr val="tx1"/>
+          </a:fontRef>
+        </p:style>
+      </p:cxnSp>
+      <p:cxnSp>
+        <p:nvCxnSpPr>
+          <p:cNvPr id="17" name="直接连接符 16"/>
+          <p:cNvCxnSpPr>
+            <a:stCxn id="7" idx="0"/>
+          </p:cNvCxnSpPr>
+          <p:nvPr/>
+        </p:nvCxnSpPr>
+        <p:spPr>
+          <a:xfrm flipV="1">
+            <a:off x="2530235" y="2197103"/>
+            <a:ext cx="380317" cy="439809"/>
+          </a:xfrm>
+          <a:prstGeom prst="line">
+            <a:avLst/>
+          </a:prstGeom>
+          <a:ln w="19050"/>
+        </p:spPr>
+        <p:style>
+          <a:lnRef idx="1">
+            <a:schemeClr val="accent1"/>
+          </a:lnRef>
+          <a:fillRef idx="0">
+            <a:schemeClr val="accent1"/>
+          </a:fillRef>
+          <a:effectRef idx="0">
+            <a:schemeClr val="accent1"/>
+          </a:effectRef>
+          <a:fontRef idx="minor">
+            <a:schemeClr val="tx1"/>
+          </a:fontRef>
+        </p:style>
+      </p:cxnSp>
+      <p:cxnSp>
+        <p:nvCxnSpPr>
+          <p:cNvPr id="20" name="直接连接符 19"/>
+          <p:cNvCxnSpPr>
+            <a:stCxn id="8" idx="0"/>
+            <a:endCxn id="5" idx="5"/>
+          </p:cNvCxnSpPr>
+          <p:nvPr/>
+        </p:nvCxnSpPr>
+        <p:spPr>
+          <a:xfrm flipH="1" flipV="1">
+            <a:off x="3256186" y="2203055"/>
+            <a:ext cx="189228" cy="433857"/>
+          </a:xfrm>
+          <a:prstGeom prst="line">
+            <a:avLst/>
+          </a:prstGeom>
+          <a:ln w="19050"/>
+        </p:spPr>
+        <p:style>
+          <a:lnRef idx="1">
+            <a:schemeClr val="accent1"/>
+          </a:lnRef>
+          <a:fillRef idx="0">
+            <a:schemeClr val="accent1"/>
+          </a:fillRef>
+          <a:effectRef idx="0">
+            <a:schemeClr val="accent1"/>
+          </a:effectRef>
+          <a:fontRef idx="minor">
+            <a:schemeClr val="tx1"/>
+          </a:fontRef>
+        </p:style>
+      </p:cxnSp>
+      <p:cxnSp>
+        <p:nvCxnSpPr>
+          <p:cNvPr id="23" name="直接连接符 22"/>
+          <p:cNvCxnSpPr>
+            <a:stCxn id="9" idx="0"/>
+            <a:endCxn id="6" idx="4"/>
+          </p:cNvCxnSpPr>
+          <p:nvPr/>
+        </p:nvCxnSpPr>
+        <p:spPr>
+          <a:xfrm flipV="1">
+            <a:off x="4258427" y="2276872"/>
+            <a:ext cx="195099" cy="327130"/>
+          </a:xfrm>
+          <a:prstGeom prst="line">
+            <a:avLst/>
+          </a:prstGeom>
+          <a:ln w="19050"/>
+        </p:spPr>
+        <p:style>
+          <a:lnRef idx="1">
+            <a:schemeClr val="accent1"/>
+          </a:lnRef>
+          <a:fillRef idx="0">
+            <a:schemeClr val="accent1"/>
+          </a:fillRef>
+          <a:effectRef idx="0">
+            <a:schemeClr val="accent1"/>
+          </a:effectRef>
+          <a:fontRef idx="minor">
+            <a:schemeClr val="tx1"/>
+          </a:fontRef>
+        </p:style>
+      </p:cxnSp>
+      <p:cxnSp>
+        <p:nvCxnSpPr>
+          <p:cNvPr id="27" name="直接连接符 26"/>
+          <p:cNvCxnSpPr>
+            <a:stCxn id="10" idx="1"/>
+            <a:endCxn id="6" idx="5"/>
+          </p:cNvCxnSpPr>
+          <p:nvPr/>
+        </p:nvCxnSpPr>
+        <p:spPr>
+          <a:xfrm flipH="1" flipV="1">
+            <a:off x="4624338" y="2203055"/>
+            <a:ext cx="378455" cy="474764"/>
+          </a:xfrm>
+          <a:prstGeom prst="line">
+            <a:avLst/>
+          </a:prstGeom>
+          <a:ln w="19050"/>
+        </p:spPr>
+        <p:style>
+          <a:lnRef idx="1">
+            <a:schemeClr val="accent1"/>
+          </a:lnRef>
+          <a:fillRef idx="0">
+            <a:schemeClr val="accent1"/>
+          </a:fillRef>
+          <a:effectRef idx="0">
+            <a:schemeClr val="accent1"/>
+          </a:effectRef>
+          <a:fontRef idx="minor">
+            <a:schemeClr val="tx1"/>
+          </a:fontRef>
+        </p:style>
+      </p:cxnSp>
+      <p:sp>
+        <p:nvSpPr>
+          <p:cNvPr id="30" name="TextBox 29"/>
+          <p:cNvSpPr txBox="1"/>
+          <p:nvPr/>
+        </p:nvSpPr>
+        <p:spPr>
+          <a:xfrm>
+            <a:off x="351904" y="654298"/>
+            <a:ext cx="2808312" cy="276999"/>
+          </a:xfrm>
+          <a:prstGeom prst="rect">
+            <a:avLst/>
+          </a:prstGeom>
+          <a:noFill/>
+        </p:spPr>
+        <p:txBody>
+          <a:bodyPr wrap="square" rtlCol="0">
+            <a:spAutoFit/>
+          </a:bodyPr>
+          <a:lstStyle/>
+          <a:p>
+            <a:r>
+              <a:rPr lang="en-US" altLang="zh-CN" sz="1200" dirty="0"/>
+              <a:t> </a:t>
+            </a:r>
+            <a:r>
+              <a:rPr lang="zh-CN" altLang="en-US" sz="1200" dirty="0" smtClean="0"/>
+              <a:t>下标：</a:t>
+            </a:r>
+            <a:r>
+              <a:rPr lang="en-US" altLang="zh-CN" sz="1200" dirty="0" smtClean="0"/>
+              <a:t>n,</a:t>
+            </a:r>
+            <a:r>
+              <a:rPr lang="zh-CN" altLang="en-US" sz="1200" dirty="0" smtClean="0"/>
+              <a:t>从</a:t>
+            </a:r>
+            <a:r>
+              <a:rPr lang="en-US" altLang="zh-CN" sz="1200" dirty="0" smtClean="0"/>
+              <a:t>0</a:t>
+            </a:r>
+            <a:r>
+              <a:rPr lang="zh-CN" altLang="en-US" sz="1200" dirty="0" smtClean="0"/>
+              <a:t>开始，对应数组的下标</a:t>
+            </a:r>
+            <a:endParaRPr lang="zh-CN" altLang="en-US" sz="1200" dirty="0"/>
+          </a:p>
+        </p:txBody>
+      </p:sp>
+      <p:sp>
+        <p:nvSpPr>
+          <p:cNvPr id="31" name="TextBox 30"/>
+          <p:cNvSpPr txBox="1"/>
+          <p:nvPr/>
+        </p:nvSpPr>
+        <p:spPr>
+          <a:xfrm>
+            <a:off x="3525167" y="651786"/>
+            <a:ext cx="331664" cy="276999"/>
+          </a:xfrm>
+          <a:prstGeom prst="rect">
+            <a:avLst/>
+          </a:prstGeom>
+          <a:noFill/>
+        </p:spPr>
+        <p:txBody>
+          <a:bodyPr wrap="square" rtlCol="0">
+            <a:spAutoFit/>
+          </a:bodyPr>
+          <a:lstStyle/>
+          <a:p>
+            <a:r>
+              <a:rPr lang="en-US" altLang="zh-CN" sz="1200" dirty="0"/>
+              <a:t>0</a:t>
+            </a:r>
+            <a:endParaRPr lang="zh-CN" altLang="en-US" sz="1200" dirty="0"/>
+          </a:p>
+        </p:txBody>
+      </p:sp>
+      <p:sp>
+        <p:nvSpPr>
+          <p:cNvPr id="32" name="TextBox 31"/>
+          <p:cNvSpPr txBox="1"/>
+          <p:nvPr/>
+        </p:nvSpPr>
+        <p:spPr>
+          <a:xfrm>
+            <a:off x="2892345" y="1457194"/>
+            <a:ext cx="331664" cy="276999"/>
+          </a:xfrm>
+          <a:prstGeom prst="rect">
+            <a:avLst/>
+          </a:prstGeom>
+          <a:noFill/>
+        </p:spPr>
+        <p:txBody>
+          <a:bodyPr wrap="square" rtlCol="0">
+            <a:spAutoFit/>
+          </a:bodyPr>
+          <a:lstStyle/>
+          <a:p>
+            <a:r>
+              <a:rPr lang="en-US" altLang="zh-CN" sz="1200" dirty="0" smtClean="0"/>
+              <a:t>1</a:t>
+            </a:r>
+            <a:endParaRPr lang="zh-CN" altLang="en-US" sz="1200" dirty="0"/>
+          </a:p>
+        </p:txBody>
+      </p:sp>
+      <p:sp>
+        <p:nvSpPr>
+          <p:cNvPr id="33" name="TextBox 32"/>
+          <p:cNvSpPr txBox="1"/>
+          <p:nvPr/>
+        </p:nvSpPr>
+        <p:spPr>
+          <a:xfrm>
+            <a:off x="4334160" y="1466377"/>
+            <a:ext cx="331664" cy="276999"/>
+          </a:xfrm>
+          <a:prstGeom prst="rect">
+            <a:avLst/>
+          </a:prstGeom>
+          <a:noFill/>
+        </p:spPr>
+        <p:txBody>
+          <a:bodyPr wrap="square" rtlCol="0">
+            <a:spAutoFit/>
+          </a:bodyPr>
+          <a:lstStyle/>
+          <a:p>
+            <a:r>
+              <a:rPr lang="en-US" altLang="zh-CN" sz="1200" dirty="0"/>
+              <a:t>2</a:t>
+            </a:r>
+            <a:endParaRPr lang="zh-CN" altLang="en-US" sz="1200" dirty="0"/>
+          </a:p>
+        </p:txBody>
+      </p:sp>
+      <p:sp>
+        <p:nvSpPr>
+          <p:cNvPr id="34" name="TextBox 33"/>
+          <p:cNvSpPr txBox="1"/>
+          <p:nvPr/>
+        </p:nvSpPr>
+        <p:spPr>
+          <a:xfrm>
+            <a:off x="2198571" y="2347628"/>
+            <a:ext cx="331664" cy="276999"/>
+          </a:xfrm>
+          <a:prstGeom prst="rect">
+            <a:avLst/>
+          </a:prstGeom>
+          <a:noFill/>
+        </p:spPr>
+        <p:txBody>
+          <a:bodyPr wrap="square" rtlCol="0">
+            <a:spAutoFit/>
+          </a:bodyPr>
+          <a:lstStyle/>
+          <a:p>
+            <a:r>
+              <a:rPr lang="en-US" altLang="zh-CN" sz="1200" dirty="0" smtClean="0"/>
+              <a:t>3</a:t>
+            </a:r>
+            <a:endParaRPr lang="zh-CN" altLang="en-US" sz="1200" dirty="0"/>
+          </a:p>
+        </p:txBody>
+      </p:sp>
+      <p:sp>
+        <p:nvSpPr>
+          <p:cNvPr id="35" name="TextBox 34"/>
+          <p:cNvSpPr txBox="1"/>
+          <p:nvPr/>
+        </p:nvSpPr>
+        <p:spPr>
+          <a:xfrm>
+            <a:off x="3413070" y="2301936"/>
+            <a:ext cx="331664" cy="276999"/>
+          </a:xfrm>
+          <a:prstGeom prst="rect">
+            <a:avLst/>
+          </a:prstGeom>
+          <a:noFill/>
+        </p:spPr>
+        <p:txBody>
+          <a:bodyPr wrap="square" rtlCol="0">
+            <a:spAutoFit/>
+          </a:bodyPr>
+          <a:lstStyle/>
+          <a:p>
+            <a:r>
+              <a:rPr lang="en-US" altLang="zh-CN" sz="1200" dirty="0" smtClean="0"/>
+              <a:t>4</a:t>
+            </a:r>
+            <a:endParaRPr lang="zh-CN" altLang="en-US" sz="1200" dirty="0"/>
+          </a:p>
+        </p:txBody>
+      </p:sp>
+      <p:sp>
+        <p:nvSpPr>
+          <p:cNvPr id="36" name="TextBox 35"/>
+          <p:cNvSpPr txBox="1"/>
+          <p:nvPr/>
+        </p:nvSpPr>
+        <p:spPr>
+          <a:xfrm>
+            <a:off x="3967950" y="2295295"/>
+            <a:ext cx="331664" cy="276999"/>
+          </a:xfrm>
+          <a:prstGeom prst="rect">
+            <a:avLst/>
+          </a:prstGeom>
+          <a:noFill/>
+        </p:spPr>
+        <p:txBody>
+          <a:bodyPr wrap="square" rtlCol="0">
+            <a:spAutoFit/>
+          </a:bodyPr>
+          <a:lstStyle/>
+          <a:p>
+            <a:r>
+              <a:rPr lang="en-US" altLang="zh-CN" sz="1200" dirty="0"/>
+              <a:t>5</a:t>
+            </a:r>
+            <a:endParaRPr lang="zh-CN" altLang="en-US" sz="1200" dirty="0"/>
+          </a:p>
+        </p:txBody>
+      </p:sp>
+      <p:sp>
+        <p:nvSpPr>
+          <p:cNvPr id="37" name="TextBox 36"/>
+          <p:cNvSpPr txBox="1"/>
+          <p:nvPr/>
+        </p:nvSpPr>
+        <p:spPr>
+          <a:xfrm>
+            <a:off x="5007773" y="2301935"/>
+            <a:ext cx="331664" cy="276999"/>
+          </a:xfrm>
+          <a:prstGeom prst="rect">
+            <a:avLst/>
+          </a:prstGeom>
+          <a:noFill/>
+        </p:spPr>
+        <p:txBody>
+          <a:bodyPr wrap="square" rtlCol="0">
+            <a:spAutoFit/>
+          </a:bodyPr>
+          <a:lstStyle/>
+          <a:p>
+            <a:r>
+              <a:rPr lang="en-US" altLang="zh-CN" sz="1200" dirty="0"/>
+              <a:t>6</a:t>
+            </a:r>
+            <a:endParaRPr lang="zh-CN" altLang="en-US" sz="1200" dirty="0"/>
+          </a:p>
+        </p:txBody>
+      </p:sp>
+    </p:spTree>
+    <p:extLst>
+      <p:ext uri="{BB962C8B-B14F-4D97-AF65-F5344CB8AC3E}">
+        <p14:creationId xmlns:p14="http://schemas.microsoft.com/office/powerpoint/2010/main" val="4260668491"/>
       </p:ext>
     </p:extLst>
   </p:cSld>
